--- a/GPU/GPU.pptx
+++ b/GPU/GPU.pptx
@@ -11,7 +11,12 @@
     <p:sldId id="271" r:id="rId5"/>
     <p:sldId id="272" r:id="rId6"/>
     <p:sldId id="273" r:id="rId7"/>
-    <p:sldId id="270" r:id="rId8"/>
+    <p:sldId id="277" r:id="rId8"/>
+    <p:sldId id="276" r:id="rId9"/>
+    <p:sldId id="278" r:id="rId10"/>
+    <p:sldId id="279" r:id="rId11"/>
+    <p:sldId id="274" r:id="rId12"/>
+    <p:sldId id="270" r:id="rId13"/>
   </p:sldIdLst>
   <p:sldSz cx="12192000" cy="6858000"/>
   <p:notesSz cx="6858000" cy="9144000"/>
@@ -3419,6 +3424,365 @@
 </p:sld>
 </file>
 
+<file path=ppt/slides/slide10.xml><?xml version="1.0" encoding="utf-8"?>
+<p:sld xmlns:a="http://schemas.openxmlformats.org/drawingml/2006/main" xmlns:r="http://schemas.openxmlformats.org/officeDocument/2006/relationships" xmlns:p="http://schemas.openxmlformats.org/presentationml/2006/main">
+  <p:cSld>
+    <p:spTree>
+      <p:nvGrpSpPr>
+        <p:cNvPr id="1" name="">
+          <a:extLst>
+            <a:ext uri="{FF2B5EF4-FFF2-40B4-BE49-F238E27FC236}">
+              <a16:creationId xmlns:a16="http://schemas.microsoft.com/office/drawing/2014/main" id="{043FBA90-AE9C-7774-D2ED-8531A652C199}"/>
+            </a:ext>
+          </a:extLst>
+        </p:cNvPr>
+        <p:cNvGrpSpPr/>
+        <p:nvPr/>
+      </p:nvGrpSpPr>
+      <p:grpSpPr>
+        <a:xfrm>
+          <a:off x="0" y="0"/>
+          <a:ext cx="0" cy="0"/>
+          <a:chOff x="0" y="0"/>
+          <a:chExt cx="0" cy="0"/>
+        </a:xfrm>
+      </p:grpSpPr>
+      <p:sp>
+        <p:nvSpPr>
+          <p:cNvPr id="2" name="Title 1">
+            <a:extLst>
+              <a:ext uri="{FF2B5EF4-FFF2-40B4-BE49-F238E27FC236}">
+                <a16:creationId xmlns:a16="http://schemas.microsoft.com/office/drawing/2014/main" id="{2CE436B3-EDA7-C018-FBA9-AA53AB1C487B}"/>
+              </a:ext>
+            </a:extLst>
+          </p:cNvPr>
+          <p:cNvSpPr>
+            <a:spLocks noGrp="1"/>
+          </p:cNvSpPr>
+          <p:nvPr>
+            <p:ph type="title"/>
+          </p:nvPr>
+        </p:nvSpPr>
+        <p:spPr/>
+        <p:txBody>
+          <a:bodyPr/>
+          <a:lstStyle/>
+          <a:p>
+            <a:pPr algn="ctr"/>
+            <a:r>
+              <a:rPr lang="en-IN" b="1" dirty="0"/>
+              <a:t>Memory Hierarchy</a:t>
+            </a:r>
+          </a:p>
+        </p:txBody>
+      </p:sp>
+      <p:sp>
+        <p:nvSpPr>
+          <p:cNvPr id="3" name="Content Placeholder 2">
+            <a:extLst>
+              <a:ext uri="{FF2B5EF4-FFF2-40B4-BE49-F238E27FC236}">
+                <a16:creationId xmlns:a16="http://schemas.microsoft.com/office/drawing/2014/main" id="{3F72A2B3-9C48-0873-A6B6-A3F576CFA8C2}"/>
+              </a:ext>
+            </a:extLst>
+          </p:cNvPr>
+          <p:cNvSpPr>
+            <a:spLocks noGrp="1"/>
+          </p:cNvSpPr>
+          <p:nvPr>
+            <p:ph idx="1"/>
+          </p:nvPr>
+        </p:nvSpPr>
+        <p:spPr/>
+        <p:txBody>
+          <a:bodyPr/>
+          <a:lstStyle/>
+          <a:p>
+            <a:r>
+              <a:rPr lang="en-US" dirty="0"/>
+              <a:t>Local memory</a:t>
+            </a:r>
+          </a:p>
+          <a:p>
+            <a:r>
+              <a:rPr lang="en-US" dirty="0"/>
+              <a:t>Register memory</a:t>
+            </a:r>
+          </a:p>
+          <a:p>
+            <a:r>
+              <a:rPr lang="en-US" dirty="0"/>
+              <a:t>Shared memory</a:t>
+            </a:r>
+          </a:p>
+          <a:p>
+            <a:r>
+              <a:rPr lang="en-IN" dirty="0"/>
+              <a:t>Global memory</a:t>
+            </a:r>
+          </a:p>
+          <a:p>
+            <a:r>
+              <a:rPr lang="en-IN" dirty="0"/>
+              <a:t>Constant memory</a:t>
+            </a:r>
+          </a:p>
+          <a:p>
+            <a:r>
+              <a:rPr lang="en-IN" dirty="0"/>
+              <a:t>Texture memory</a:t>
+            </a:r>
+          </a:p>
+          <a:p>
+            <a:endParaRPr lang="en-IN" dirty="0"/>
+          </a:p>
+        </p:txBody>
+      </p:sp>
+    </p:spTree>
+    <p:extLst>
+      <p:ext uri="{BB962C8B-B14F-4D97-AF65-F5344CB8AC3E}">
+        <p14:creationId xmlns:p14="http://schemas.microsoft.com/office/powerpoint/2010/main" val="2695184451"/>
+      </p:ext>
+    </p:extLst>
+  </p:cSld>
+  <p:clrMapOvr>
+    <a:masterClrMapping/>
+  </p:clrMapOvr>
+</p:sld>
+</file>
+
+<file path=ppt/slides/slide11.xml><?xml version="1.0" encoding="utf-8"?>
+<p:sld xmlns:a="http://schemas.openxmlformats.org/drawingml/2006/main" xmlns:r="http://schemas.openxmlformats.org/officeDocument/2006/relationships" xmlns:p="http://schemas.openxmlformats.org/presentationml/2006/main">
+  <p:cSld>
+    <p:spTree>
+      <p:nvGrpSpPr>
+        <p:cNvPr id="1" name=""/>
+        <p:cNvGrpSpPr/>
+        <p:nvPr/>
+      </p:nvGrpSpPr>
+      <p:grpSpPr>
+        <a:xfrm>
+          <a:off x="0" y="0"/>
+          <a:ext cx="0" cy="0"/>
+          <a:chOff x="0" y="0"/>
+          <a:chExt cx="0" cy="0"/>
+        </a:xfrm>
+      </p:grpSpPr>
+      <p:sp>
+        <p:nvSpPr>
+          <p:cNvPr id="2" name="Title 1">
+            <a:extLst>
+              <a:ext uri="{FF2B5EF4-FFF2-40B4-BE49-F238E27FC236}">
+                <a16:creationId xmlns:a16="http://schemas.microsoft.com/office/drawing/2014/main" id="{CDFDF175-84D4-F138-AEC0-139CF5EB3395}"/>
+              </a:ext>
+            </a:extLst>
+          </p:cNvPr>
+          <p:cNvSpPr>
+            <a:spLocks noGrp="1"/>
+          </p:cNvSpPr>
+          <p:nvPr>
+            <p:ph type="title"/>
+          </p:nvPr>
+        </p:nvSpPr>
+        <p:spPr/>
+        <p:txBody>
+          <a:bodyPr/>
+          <a:lstStyle/>
+          <a:p>
+            <a:pPr algn="ctr"/>
+            <a:r>
+              <a:rPr lang="en-IN" b="1" dirty="0"/>
+              <a:t>Thread Hierarchy</a:t>
+            </a:r>
+          </a:p>
+        </p:txBody>
+      </p:sp>
+      <p:pic>
+        <p:nvPicPr>
+          <p:cNvPr id="5" name="Picture 4">
+            <a:extLst>
+              <a:ext uri="{FF2B5EF4-FFF2-40B4-BE49-F238E27FC236}">
+                <a16:creationId xmlns:a16="http://schemas.microsoft.com/office/drawing/2014/main" id="{BC8EC410-0937-B12B-7EEC-D65151240BCB}"/>
+              </a:ext>
+            </a:extLst>
+          </p:cNvPr>
+          <p:cNvPicPr>
+            <a:picLocks noChangeAspect="1"/>
+          </p:cNvPicPr>
+          <p:nvPr/>
+        </p:nvPicPr>
+        <p:blipFill>
+          <a:blip r:embed="rId2">
+            <a:extLst>
+              <a:ext uri="{28A0092B-C50C-407E-A947-70E740481C1C}">
+                <a14:useLocalDpi xmlns:a14="http://schemas.microsoft.com/office/drawing/2010/main" val="0"/>
+              </a:ext>
+            </a:extLst>
+          </a:blip>
+          <a:stretch>
+            <a:fillRect/>
+          </a:stretch>
+        </p:blipFill>
+        <p:spPr>
+          <a:xfrm>
+            <a:off x="3321427" y="1642704"/>
+            <a:ext cx="5611065" cy="5016952"/>
+          </a:xfrm>
+          <a:prstGeom prst="rect">
+            <a:avLst/>
+          </a:prstGeom>
+        </p:spPr>
+      </p:pic>
+      <p:sp>
+        <p:nvSpPr>
+          <p:cNvPr id="6" name="Text Box 10">
+            <a:extLst>
+              <a:ext uri="{FF2B5EF4-FFF2-40B4-BE49-F238E27FC236}">
+                <a16:creationId xmlns:a16="http://schemas.microsoft.com/office/drawing/2014/main" id="{98AE93A9-E093-10E5-46D8-59DBE92CABE1}"/>
+              </a:ext>
+            </a:extLst>
+          </p:cNvPr>
+          <p:cNvSpPr txBox="1">
+            <a:spLocks noChangeArrowheads="1"/>
+          </p:cNvSpPr>
+          <p:nvPr/>
+        </p:nvSpPr>
+        <p:spPr bwMode="auto">
+          <a:xfrm rot="10800000" flipV="1">
+            <a:off x="0" y="6519446"/>
+            <a:ext cx="1828800" cy="338554"/>
+          </a:xfrm>
+          <a:prstGeom prst="rect">
+            <a:avLst/>
+          </a:prstGeom>
+          <a:noFill/>
+          <a:ln w="9525">
+            <a:noFill/>
+            <a:miter lim="800000"/>
+            <a:headEnd/>
+            <a:tailEnd/>
+          </a:ln>
+          <a:effectLst/>
+        </p:spPr>
+        <p:txBody>
+          <a:bodyPr wrap="square">
+            <a:spAutoFit/>
+          </a:bodyPr>
+          <a:lstStyle/>
+          <a:p>
+            <a:pPr>
+              <a:spcBef>
+                <a:spcPct val="50000"/>
+              </a:spcBef>
+            </a:pPr>
+            <a:r>
+              <a:rPr lang="en-US" sz="1600" b="1" dirty="0">
+                <a:solidFill>
+                  <a:srgbClr val="FF0000"/>
+                </a:solidFill>
+              </a:rPr>
+              <a:t>Image </a:t>
+            </a:r>
+            <a:r>
+              <a:rPr lang="en-US" sz="1600" b="1" dirty="0" err="1">
+                <a:solidFill>
+                  <a:srgbClr val="FF0000"/>
+                </a:solidFill>
+              </a:rPr>
+              <a:t>ack</a:t>
+            </a:r>
+            <a:r>
+              <a:rPr lang="en-US" sz="1600" b="1" dirty="0">
+                <a:solidFill>
+                  <a:srgbClr val="FF0000"/>
+                </a:solidFill>
+              </a:rPr>
+              <a:t> – Google</a:t>
+            </a:r>
+          </a:p>
+        </p:txBody>
+      </p:sp>
+    </p:spTree>
+    <p:extLst>
+      <p:ext uri="{BB962C8B-B14F-4D97-AF65-F5344CB8AC3E}">
+        <p14:creationId xmlns:p14="http://schemas.microsoft.com/office/powerpoint/2010/main" val="1686311767"/>
+      </p:ext>
+    </p:extLst>
+  </p:cSld>
+  <p:clrMapOvr>
+    <a:masterClrMapping/>
+  </p:clrMapOvr>
+</p:sld>
+</file>
+
+<file path=ppt/slides/slide12.xml><?xml version="1.0" encoding="utf-8"?>
+<p:sld xmlns:a="http://schemas.openxmlformats.org/drawingml/2006/main" xmlns:r="http://schemas.openxmlformats.org/officeDocument/2006/relationships" xmlns:p="http://schemas.openxmlformats.org/presentationml/2006/main">
+  <p:cSld>
+    <p:spTree>
+      <p:nvGrpSpPr>
+        <p:cNvPr id="1" name=""/>
+        <p:cNvGrpSpPr/>
+        <p:nvPr/>
+      </p:nvGrpSpPr>
+      <p:grpSpPr>
+        <a:xfrm>
+          <a:off x="0" y="0"/>
+          <a:ext cx="0" cy="0"/>
+          <a:chOff x="0" y="0"/>
+          <a:chExt cx="0" cy="0"/>
+        </a:xfrm>
+      </p:grpSpPr>
+      <p:sp>
+        <p:nvSpPr>
+          <p:cNvPr id="2" name="Title 1"/>
+          <p:cNvSpPr>
+            <a:spLocks noGrp="1"/>
+          </p:cNvSpPr>
+          <p:nvPr>
+            <p:ph type="ctrTitle"/>
+          </p:nvPr>
+        </p:nvSpPr>
+        <p:spPr/>
+        <p:txBody>
+          <a:bodyPr/>
+          <a:lstStyle/>
+          <a:p>
+            <a:r>
+              <a:rPr lang="en-US" dirty="0"/>
+              <a:t>Questions?</a:t>
+            </a:r>
+          </a:p>
+        </p:txBody>
+      </p:sp>
+      <p:sp>
+        <p:nvSpPr>
+          <p:cNvPr id="3" name="Subtitle 2"/>
+          <p:cNvSpPr>
+            <a:spLocks noGrp="1"/>
+          </p:cNvSpPr>
+          <p:nvPr>
+            <p:ph type="subTitle" idx="1"/>
+          </p:nvPr>
+        </p:nvSpPr>
+        <p:spPr/>
+        <p:txBody>
+          <a:bodyPr/>
+          <a:lstStyle/>
+          <a:p>
+            <a:r>
+              <a:rPr lang="en-US" dirty="0"/>
+              <a:t>Thank you</a:t>
+            </a:r>
+          </a:p>
+        </p:txBody>
+      </p:sp>
+    </p:spTree>
+  </p:cSld>
+  <p:clrMapOvr>
+    <a:masterClrMapping/>
+  </p:clrMapOvr>
+</p:sld>
+</file>
+
 <file path=ppt/slides/slide2.xml><?xml version="1.0" encoding="utf-8"?>
 <p:sld xmlns:a="http://schemas.openxmlformats.org/drawingml/2006/main" xmlns:r="http://schemas.openxmlformats.org/officeDocument/2006/relationships" xmlns:p="http://schemas.openxmlformats.org/presentationml/2006/main">
   <p:cSld>
@@ -3484,7 +3848,7 @@
           <a:p>
             <a:r>
               <a:rPr lang="en-US" dirty="0"/>
-              <a:t>Heterogeneous Programming</a:t>
+              <a:t>Heterogeneous Computing</a:t>
             </a:r>
           </a:p>
           <a:p>
@@ -3496,11 +3860,20 @@
           <a:p>
             <a:r>
               <a:rPr lang="en-US" dirty="0"/>
-              <a:t>GPU Memory Architecture</a:t>
-            </a:r>
-          </a:p>
-          <a:p>
-            <a:endParaRPr lang="en-US" dirty="0"/>
+              <a:t>Streaming Multiprocessor</a:t>
+            </a:r>
+          </a:p>
+          <a:p>
+            <a:r>
+              <a:rPr lang="en-US" dirty="0"/>
+              <a:t>Memory Hierarchy</a:t>
+            </a:r>
+          </a:p>
+          <a:p>
+            <a:r>
+              <a:rPr lang="en-US" dirty="0"/>
+              <a:t>Thread Hierarchy</a:t>
+            </a:r>
           </a:p>
         </p:txBody>
       </p:sp>
@@ -3594,6 +3967,75 @@
           </a:xfrm>
         </p:spPr>
       </p:pic>
+      <p:sp>
+        <p:nvSpPr>
+          <p:cNvPr id="6" name="Text Box 10">
+            <a:extLst>
+              <a:ext uri="{FF2B5EF4-FFF2-40B4-BE49-F238E27FC236}">
+                <a16:creationId xmlns:a16="http://schemas.microsoft.com/office/drawing/2014/main" id="{4F3647FF-C88D-AD6C-AE3B-FF236306EDCD}"/>
+              </a:ext>
+            </a:extLst>
+          </p:cNvPr>
+          <p:cNvSpPr txBox="1">
+            <a:spLocks noChangeArrowheads="1"/>
+          </p:cNvSpPr>
+          <p:nvPr/>
+        </p:nvSpPr>
+        <p:spPr bwMode="auto">
+          <a:xfrm rot="10800000" flipV="1">
+            <a:off x="0" y="6519446"/>
+            <a:ext cx="1828800" cy="338554"/>
+          </a:xfrm>
+          <a:prstGeom prst="rect">
+            <a:avLst/>
+          </a:prstGeom>
+          <a:noFill/>
+          <a:ln w="9525">
+            <a:noFill/>
+            <a:miter lim="800000"/>
+            <a:headEnd/>
+            <a:tailEnd/>
+          </a:ln>
+          <a:effectLst/>
+        </p:spPr>
+        <p:txBody>
+          <a:bodyPr wrap="square">
+            <a:spAutoFit/>
+          </a:bodyPr>
+          <a:lstStyle/>
+          <a:p>
+            <a:pPr>
+              <a:spcBef>
+                <a:spcPct val="50000"/>
+              </a:spcBef>
+            </a:pPr>
+            <a:r>
+              <a:rPr lang="en-US" sz="1600" b="1" dirty="0">
+                <a:solidFill>
+                  <a:srgbClr val="FF0000"/>
+                </a:solidFill>
+              </a:rPr>
+              <a:t>Image </a:t>
+            </a:r>
+            <a:r>
+              <a:rPr lang="en-US" sz="1600" b="1" dirty="0" err="1">
+                <a:solidFill>
+                  <a:srgbClr val="FF0000"/>
+                </a:solidFill>
+              </a:rPr>
+              <a:t>ack</a:t>
+            </a:r>
+            <a:r>
+              <a:rPr lang="en-US" sz="1600" b="1" dirty="0">
+                <a:solidFill>
+                  <a:srgbClr val="FF0000"/>
+                </a:solidFill>
+              </a:rPr>
+              <a:t> – Google</a:t>
+            </a:r>
+          </a:p>
+        </p:txBody>
+      </p:sp>
     </p:spTree>
     <p:extLst>
       <p:ext uri="{BB962C8B-B14F-4D97-AF65-F5344CB8AC3E}">
@@ -4089,6 +4531,75 @@
           </a:prstGeom>
         </p:spPr>
       </p:pic>
+      <p:sp>
+        <p:nvSpPr>
+          <p:cNvPr id="6" name="Text Box 10">
+            <a:extLst>
+              <a:ext uri="{FF2B5EF4-FFF2-40B4-BE49-F238E27FC236}">
+                <a16:creationId xmlns:a16="http://schemas.microsoft.com/office/drawing/2014/main" id="{19333CDB-4236-13F8-2AD4-E81A564DA3B9}"/>
+              </a:ext>
+            </a:extLst>
+          </p:cNvPr>
+          <p:cNvSpPr txBox="1">
+            <a:spLocks noChangeArrowheads="1"/>
+          </p:cNvSpPr>
+          <p:nvPr/>
+        </p:nvSpPr>
+        <p:spPr bwMode="auto">
+          <a:xfrm rot="10800000" flipV="1">
+            <a:off x="0" y="6519446"/>
+            <a:ext cx="1828800" cy="338554"/>
+          </a:xfrm>
+          <a:prstGeom prst="rect">
+            <a:avLst/>
+          </a:prstGeom>
+          <a:noFill/>
+          <a:ln w="9525">
+            <a:noFill/>
+            <a:miter lim="800000"/>
+            <a:headEnd/>
+            <a:tailEnd/>
+          </a:ln>
+          <a:effectLst/>
+        </p:spPr>
+        <p:txBody>
+          <a:bodyPr wrap="square">
+            <a:spAutoFit/>
+          </a:bodyPr>
+          <a:lstStyle/>
+          <a:p>
+            <a:pPr>
+              <a:spcBef>
+                <a:spcPct val="50000"/>
+              </a:spcBef>
+            </a:pPr>
+            <a:r>
+              <a:rPr lang="en-US" sz="1600" b="1" dirty="0">
+                <a:solidFill>
+                  <a:srgbClr val="FF0000"/>
+                </a:solidFill>
+              </a:rPr>
+              <a:t>Image </a:t>
+            </a:r>
+            <a:r>
+              <a:rPr lang="en-US" sz="1600" b="1" dirty="0" err="1">
+                <a:solidFill>
+                  <a:srgbClr val="FF0000"/>
+                </a:solidFill>
+              </a:rPr>
+              <a:t>ack</a:t>
+            </a:r>
+            <a:r>
+              <a:rPr lang="en-US" sz="1600" b="1" dirty="0">
+                <a:solidFill>
+                  <a:srgbClr val="FF0000"/>
+                </a:solidFill>
+              </a:rPr>
+              <a:t> – Google</a:t>
+            </a:r>
+          </a:p>
+        </p:txBody>
+      </p:sp>
     </p:spTree>
     <p:extLst>
       <p:ext uri="{BB962C8B-B14F-4D97-AF65-F5344CB8AC3E}">
@@ -4239,6 +4750,176 @@
   <p:cSld>
     <p:spTree>
       <p:nvGrpSpPr>
+        <p:cNvPr id="1" name="">
+          <a:extLst>
+            <a:ext uri="{FF2B5EF4-FFF2-40B4-BE49-F238E27FC236}">
+              <a16:creationId xmlns:a16="http://schemas.microsoft.com/office/drawing/2014/main" id="{81D31A78-C41A-EF00-EA25-3BE0B51249F6}"/>
+            </a:ext>
+          </a:extLst>
+        </p:cNvPr>
+        <p:cNvGrpSpPr/>
+        <p:nvPr/>
+      </p:nvGrpSpPr>
+      <p:grpSpPr>
+        <a:xfrm>
+          <a:off x="0" y="0"/>
+          <a:ext cx="0" cy="0"/>
+          <a:chOff x="0" y="0"/>
+          <a:chExt cx="0" cy="0"/>
+        </a:xfrm>
+      </p:grpSpPr>
+      <p:sp>
+        <p:nvSpPr>
+          <p:cNvPr id="2" name="Title 1">
+            <a:extLst>
+              <a:ext uri="{FF2B5EF4-FFF2-40B4-BE49-F238E27FC236}">
+                <a16:creationId xmlns:a16="http://schemas.microsoft.com/office/drawing/2014/main" id="{6D3AB914-2B1C-2212-B65A-D7D79E94D808}"/>
+              </a:ext>
+            </a:extLst>
+          </p:cNvPr>
+          <p:cNvSpPr>
+            <a:spLocks noGrp="1"/>
+          </p:cNvSpPr>
+          <p:nvPr>
+            <p:ph type="title"/>
+          </p:nvPr>
+        </p:nvSpPr>
+        <p:spPr/>
+        <p:txBody>
+          <a:bodyPr/>
+          <a:lstStyle/>
+          <a:p>
+            <a:pPr algn="ctr"/>
+            <a:r>
+              <a:rPr lang="en-IN" b="1" dirty="0"/>
+              <a:t>GPU Architecture</a:t>
+            </a:r>
+          </a:p>
+        </p:txBody>
+      </p:sp>
+      <p:pic>
+        <p:nvPicPr>
+          <p:cNvPr id="5" name="Picture 4">
+            <a:extLst>
+              <a:ext uri="{FF2B5EF4-FFF2-40B4-BE49-F238E27FC236}">
+                <a16:creationId xmlns:a16="http://schemas.microsoft.com/office/drawing/2014/main" id="{49D4ADF6-BD1E-45C3-128F-C5B2FB92CDD1}"/>
+              </a:ext>
+            </a:extLst>
+          </p:cNvPr>
+          <p:cNvPicPr>
+            <a:picLocks noChangeAspect="1"/>
+          </p:cNvPicPr>
+          <p:nvPr/>
+        </p:nvPicPr>
+        <p:blipFill>
+          <a:blip r:embed="rId2">
+            <a:extLst>
+              <a:ext uri="{28A0092B-C50C-407E-A947-70E740481C1C}">
+                <a14:useLocalDpi xmlns:a14="http://schemas.microsoft.com/office/drawing/2010/main" val="0"/>
+              </a:ext>
+            </a:extLst>
+          </a:blip>
+          <a:stretch>
+            <a:fillRect/>
+          </a:stretch>
+        </p:blipFill>
+        <p:spPr>
+          <a:xfrm>
+            <a:off x="3671050" y="1452956"/>
+            <a:ext cx="4938958" cy="5270574"/>
+          </a:xfrm>
+          <a:prstGeom prst="rect">
+            <a:avLst/>
+          </a:prstGeom>
+        </p:spPr>
+      </p:pic>
+      <p:sp>
+        <p:nvSpPr>
+          <p:cNvPr id="3" name="Text Box 10">
+            <a:extLst>
+              <a:ext uri="{FF2B5EF4-FFF2-40B4-BE49-F238E27FC236}">
+                <a16:creationId xmlns:a16="http://schemas.microsoft.com/office/drawing/2014/main" id="{13639814-1EF9-7B28-1681-198B81BB1150}"/>
+              </a:ext>
+            </a:extLst>
+          </p:cNvPr>
+          <p:cNvSpPr txBox="1">
+            <a:spLocks noChangeArrowheads="1"/>
+          </p:cNvSpPr>
+          <p:nvPr/>
+        </p:nvSpPr>
+        <p:spPr bwMode="auto">
+          <a:xfrm rot="10800000" flipV="1">
+            <a:off x="0" y="6519446"/>
+            <a:ext cx="1828800" cy="338554"/>
+          </a:xfrm>
+          <a:prstGeom prst="rect">
+            <a:avLst/>
+          </a:prstGeom>
+          <a:noFill/>
+          <a:ln w="9525">
+            <a:noFill/>
+            <a:miter lim="800000"/>
+            <a:headEnd/>
+            <a:tailEnd/>
+          </a:ln>
+          <a:effectLst/>
+        </p:spPr>
+        <p:txBody>
+          <a:bodyPr wrap="square">
+            <a:spAutoFit/>
+          </a:bodyPr>
+          <a:lstStyle/>
+          <a:p>
+            <a:pPr>
+              <a:spcBef>
+                <a:spcPct val="50000"/>
+              </a:spcBef>
+            </a:pPr>
+            <a:r>
+              <a:rPr lang="en-US" sz="1600" b="1" dirty="0">
+                <a:solidFill>
+                  <a:srgbClr val="FF0000"/>
+                </a:solidFill>
+              </a:rPr>
+              <a:t>Image </a:t>
+            </a:r>
+            <a:r>
+              <a:rPr lang="en-US" sz="1600" b="1" dirty="0" err="1">
+                <a:solidFill>
+                  <a:srgbClr val="FF0000"/>
+                </a:solidFill>
+              </a:rPr>
+              <a:t>ack</a:t>
+            </a:r>
+            <a:r>
+              <a:rPr lang="en-US" sz="1600" b="1" dirty="0">
+                <a:solidFill>
+                  <a:srgbClr val="FF0000"/>
+                </a:solidFill>
+              </a:rPr>
+              <a:t> – Google</a:t>
+            </a:r>
+          </a:p>
+        </p:txBody>
+      </p:sp>
+    </p:spTree>
+    <p:extLst>
+      <p:ext uri="{BB962C8B-B14F-4D97-AF65-F5344CB8AC3E}">
+        <p14:creationId xmlns:p14="http://schemas.microsoft.com/office/powerpoint/2010/main" val="4281300403"/>
+      </p:ext>
+    </p:extLst>
+  </p:cSld>
+  <p:clrMapOvr>
+    <a:masterClrMapping/>
+  </p:clrMapOvr>
+</p:sld>
+</file>
+
+<file path=ppt/slides/slide8.xml><?xml version="1.0" encoding="utf-8"?>
+<p:sld xmlns:a="http://schemas.openxmlformats.org/drawingml/2006/main" xmlns:r="http://schemas.openxmlformats.org/officeDocument/2006/relationships" xmlns:p="http://schemas.openxmlformats.org/presentationml/2006/main">
+  <p:cSld>
+    <p:spTree>
+      <p:nvGrpSpPr>
         <p:cNvPr id="1" name=""/>
         <p:cNvGrpSpPr/>
         <p:nvPr/>
@@ -4253,12 +4934,18 @@
       </p:grpSpPr>
       <p:sp>
         <p:nvSpPr>
-          <p:cNvPr id="2" name="Title 1"/>
-          <p:cNvSpPr>
-            <a:spLocks noGrp="1"/>
-          </p:cNvSpPr>
-          <p:nvPr>
-            <p:ph type="ctrTitle"/>
+          <p:cNvPr id="2" name="Title 1">
+            <a:extLst>
+              <a:ext uri="{FF2B5EF4-FFF2-40B4-BE49-F238E27FC236}">
+                <a16:creationId xmlns:a16="http://schemas.microsoft.com/office/drawing/2014/main" id="{6CB6FDEE-75F8-B72C-FA82-6E1FCBD48167}"/>
+              </a:ext>
+            </a:extLst>
+          </p:cNvPr>
+          <p:cNvSpPr>
+            <a:spLocks noGrp="1"/>
+          </p:cNvSpPr>
+          <p:nvPr>
+            <p:ph type="title"/>
           </p:nvPr>
         </p:nvSpPr>
         <p:spPr/>
@@ -4266,21 +4953,163 @@
           <a:bodyPr/>
           <a:lstStyle/>
           <a:p>
-            <a:r>
-              <a:rPr lang="en-US" dirty="0"/>
-              <a:t>Questions?</a:t>
-            </a:r>
-          </a:p>
-        </p:txBody>
-      </p:sp>
-      <p:sp>
-        <p:nvSpPr>
-          <p:cNvPr id="3" name="Subtitle 2"/>
-          <p:cNvSpPr>
-            <a:spLocks noGrp="1"/>
-          </p:cNvSpPr>
-          <p:nvPr>
-            <p:ph type="subTitle" idx="1"/>
+            <a:pPr algn="ctr"/>
+            <a:r>
+              <a:rPr lang="en-IN" b="1" dirty="0"/>
+              <a:t>Streaming Multiprocessor</a:t>
+            </a:r>
+          </a:p>
+        </p:txBody>
+      </p:sp>
+      <p:pic>
+        <p:nvPicPr>
+          <p:cNvPr id="5" name="Picture 4">
+            <a:extLst>
+              <a:ext uri="{FF2B5EF4-FFF2-40B4-BE49-F238E27FC236}">
+                <a16:creationId xmlns:a16="http://schemas.microsoft.com/office/drawing/2014/main" id="{AA5CD80E-CE9F-0033-A4EB-3B8DDE18E9FB}"/>
+              </a:ext>
+            </a:extLst>
+          </p:cNvPr>
+          <p:cNvPicPr>
+            <a:picLocks noChangeAspect="1"/>
+          </p:cNvPicPr>
+          <p:nvPr/>
+        </p:nvPicPr>
+        <p:blipFill>
+          <a:blip r:embed="rId2">
+            <a:extLst>
+              <a:ext uri="{28A0092B-C50C-407E-A947-70E740481C1C}">
+                <a14:useLocalDpi xmlns:a14="http://schemas.microsoft.com/office/drawing/2010/main" val="0"/>
+              </a:ext>
+            </a:extLst>
+          </a:blip>
+          <a:stretch>
+            <a:fillRect/>
+          </a:stretch>
+        </p:blipFill>
+        <p:spPr>
+          <a:xfrm>
+            <a:off x="4222379" y="1470558"/>
+            <a:ext cx="3769431" cy="5252971"/>
+          </a:xfrm>
+          <a:prstGeom prst="rect">
+            <a:avLst/>
+          </a:prstGeom>
+        </p:spPr>
+      </p:pic>
+      <p:sp>
+        <p:nvSpPr>
+          <p:cNvPr id="6" name="Text Box 10">
+            <a:extLst>
+              <a:ext uri="{FF2B5EF4-FFF2-40B4-BE49-F238E27FC236}">
+                <a16:creationId xmlns:a16="http://schemas.microsoft.com/office/drawing/2014/main" id="{1A434EB3-7314-3D5A-49D1-74432147C4E4}"/>
+              </a:ext>
+            </a:extLst>
+          </p:cNvPr>
+          <p:cNvSpPr txBox="1">
+            <a:spLocks noChangeArrowheads="1"/>
+          </p:cNvSpPr>
+          <p:nvPr/>
+        </p:nvSpPr>
+        <p:spPr bwMode="auto">
+          <a:xfrm rot="10800000" flipV="1">
+            <a:off x="0" y="6519446"/>
+            <a:ext cx="1828800" cy="338554"/>
+          </a:xfrm>
+          <a:prstGeom prst="rect">
+            <a:avLst/>
+          </a:prstGeom>
+          <a:noFill/>
+          <a:ln w="9525">
+            <a:noFill/>
+            <a:miter lim="800000"/>
+            <a:headEnd/>
+            <a:tailEnd/>
+          </a:ln>
+          <a:effectLst/>
+        </p:spPr>
+        <p:txBody>
+          <a:bodyPr wrap="square">
+            <a:spAutoFit/>
+          </a:bodyPr>
+          <a:lstStyle/>
+          <a:p>
+            <a:pPr>
+              <a:spcBef>
+                <a:spcPct val="50000"/>
+              </a:spcBef>
+            </a:pPr>
+            <a:r>
+              <a:rPr lang="en-US" sz="1600" b="1" dirty="0">
+                <a:solidFill>
+                  <a:srgbClr val="FF0000"/>
+                </a:solidFill>
+              </a:rPr>
+              <a:t>Image </a:t>
+            </a:r>
+            <a:r>
+              <a:rPr lang="en-US" sz="1600" b="1" dirty="0" err="1">
+                <a:solidFill>
+                  <a:srgbClr val="FF0000"/>
+                </a:solidFill>
+              </a:rPr>
+              <a:t>ack</a:t>
+            </a:r>
+            <a:r>
+              <a:rPr lang="en-US" sz="1600" b="1" dirty="0">
+                <a:solidFill>
+                  <a:srgbClr val="FF0000"/>
+                </a:solidFill>
+              </a:rPr>
+              <a:t> – Google</a:t>
+            </a:r>
+          </a:p>
+        </p:txBody>
+      </p:sp>
+    </p:spTree>
+    <p:extLst>
+      <p:ext uri="{BB962C8B-B14F-4D97-AF65-F5344CB8AC3E}">
+        <p14:creationId xmlns:p14="http://schemas.microsoft.com/office/powerpoint/2010/main" val="96655054"/>
+      </p:ext>
+    </p:extLst>
+  </p:cSld>
+  <p:clrMapOvr>
+    <a:masterClrMapping/>
+  </p:clrMapOvr>
+</p:sld>
+</file>
+
+<file path=ppt/slides/slide9.xml><?xml version="1.0" encoding="utf-8"?>
+<p:sld xmlns:a="http://schemas.openxmlformats.org/drawingml/2006/main" xmlns:r="http://schemas.openxmlformats.org/officeDocument/2006/relationships" xmlns:p="http://schemas.openxmlformats.org/presentationml/2006/main">
+  <p:cSld>
+    <p:spTree>
+      <p:nvGrpSpPr>
+        <p:cNvPr id="1" name=""/>
+        <p:cNvGrpSpPr/>
+        <p:nvPr/>
+      </p:nvGrpSpPr>
+      <p:grpSpPr>
+        <a:xfrm>
+          <a:off x="0" y="0"/>
+          <a:ext cx="0" cy="0"/>
+          <a:chOff x="0" y="0"/>
+          <a:chExt cx="0" cy="0"/>
+        </a:xfrm>
+      </p:grpSpPr>
+      <p:sp>
+        <p:nvSpPr>
+          <p:cNvPr id="2" name="Title 1">
+            <a:extLst>
+              <a:ext uri="{FF2B5EF4-FFF2-40B4-BE49-F238E27FC236}">
+                <a16:creationId xmlns:a16="http://schemas.microsoft.com/office/drawing/2014/main" id="{0EB7B7FC-4E89-8AF0-8094-8C4C18507A6F}"/>
+              </a:ext>
+            </a:extLst>
+          </p:cNvPr>
+          <p:cNvSpPr>
+            <a:spLocks noGrp="1"/>
+          </p:cNvSpPr>
+          <p:nvPr>
+            <p:ph type="title"/>
           </p:nvPr>
         </p:nvSpPr>
         <p:spPr/>
@@ -4288,14 +5117,125 @@
           <a:bodyPr/>
           <a:lstStyle/>
           <a:p>
-            <a:r>
-              <a:rPr lang="en-US" dirty="0"/>
-              <a:t>Thank you</a:t>
+            <a:pPr algn="ctr"/>
+            <a:r>
+              <a:rPr lang="en-IN" b="1" dirty="0"/>
+              <a:t>Memory Hierarchy</a:t>
+            </a:r>
+          </a:p>
+        </p:txBody>
+      </p:sp>
+      <p:pic>
+        <p:nvPicPr>
+          <p:cNvPr id="7" name="Picture 6">
+            <a:extLst>
+              <a:ext uri="{FF2B5EF4-FFF2-40B4-BE49-F238E27FC236}">
+                <a16:creationId xmlns:a16="http://schemas.microsoft.com/office/drawing/2014/main" id="{87DAFBDE-AE39-9318-5E3A-2354101FFAAC}"/>
+              </a:ext>
+            </a:extLst>
+          </p:cNvPr>
+          <p:cNvPicPr>
+            <a:picLocks noChangeAspect="1"/>
+          </p:cNvPicPr>
+          <p:nvPr/>
+        </p:nvPicPr>
+        <p:blipFill>
+          <a:blip r:embed="rId2">
+            <a:extLst>
+              <a:ext uri="{28A0092B-C50C-407E-A947-70E740481C1C}">
+                <a14:useLocalDpi xmlns:a14="http://schemas.microsoft.com/office/drawing/2010/main" val="0"/>
+              </a:ext>
+            </a:extLst>
+          </a:blip>
+          <a:stretch>
+            <a:fillRect/>
+          </a:stretch>
+        </p:blipFill>
+        <p:spPr>
+          <a:xfrm>
+            <a:off x="3913097" y="1477761"/>
+            <a:ext cx="4460889" cy="5232321"/>
+          </a:xfrm>
+          <a:prstGeom prst="rect">
+            <a:avLst/>
+          </a:prstGeom>
+        </p:spPr>
+      </p:pic>
+      <p:sp>
+        <p:nvSpPr>
+          <p:cNvPr id="8" name="Text Box 10">
+            <a:extLst>
+              <a:ext uri="{FF2B5EF4-FFF2-40B4-BE49-F238E27FC236}">
+                <a16:creationId xmlns:a16="http://schemas.microsoft.com/office/drawing/2014/main" id="{C86DA676-44F6-A9D6-E7FE-55819F39D616}"/>
+              </a:ext>
+            </a:extLst>
+          </p:cNvPr>
+          <p:cNvSpPr txBox="1">
+            <a:spLocks noChangeArrowheads="1"/>
+          </p:cNvSpPr>
+          <p:nvPr/>
+        </p:nvSpPr>
+        <p:spPr bwMode="auto">
+          <a:xfrm rot="10800000" flipV="1">
+            <a:off x="0" y="6519446"/>
+            <a:ext cx="1828800" cy="338554"/>
+          </a:xfrm>
+          <a:prstGeom prst="rect">
+            <a:avLst/>
+          </a:prstGeom>
+          <a:noFill/>
+          <a:ln w="9525">
+            <a:noFill/>
+            <a:miter lim="800000"/>
+            <a:headEnd/>
+            <a:tailEnd/>
+          </a:ln>
+          <a:effectLst/>
+        </p:spPr>
+        <p:txBody>
+          <a:bodyPr wrap="square">
+            <a:spAutoFit/>
+          </a:bodyPr>
+          <a:lstStyle/>
+          <a:p>
+            <a:pPr>
+              <a:spcBef>
+                <a:spcPct val="50000"/>
+              </a:spcBef>
+            </a:pPr>
+            <a:r>
+              <a:rPr lang="en-US" sz="1600" b="1" dirty="0">
+                <a:solidFill>
+                  <a:srgbClr val="FF0000"/>
+                </a:solidFill>
+              </a:rPr>
+              <a:t>Image </a:t>
+            </a:r>
+            <a:r>
+              <a:rPr lang="en-US" sz="1600" b="1" dirty="0" err="1">
+                <a:solidFill>
+                  <a:srgbClr val="FF0000"/>
+                </a:solidFill>
+              </a:rPr>
+              <a:t>ack</a:t>
+            </a:r>
+            <a:r>
+              <a:rPr lang="en-US" sz="1600" b="1" dirty="0">
+                <a:solidFill>
+                  <a:srgbClr val="FF0000"/>
+                </a:solidFill>
+              </a:rPr>
+              <a:t> – Google</a:t>
             </a:r>
           </a:p>
         </p:txBody>
       </p:sp>
     </p:spTree>
+    <p:extLst>
+      <p:ext uri="{BB962C8B-B14F-4D97-AF65-F5344CB8AC3E}">
+        <p14:creationId xmlns:p14="http://schemas.microsoft.com/office/powerpoint/2010/main" val="1166298615"/>
+      </p:ext>
+    </p:extLst>
   </p:cSld>
   <p:clrMapOvr>
     <a:masterClrMapping/>
